--- a/noe_diapo.pptx
+++ b/noe_diapo.pptx
@@ -10,8 +10,6 @@
     <p:sldId id="258" r:id="rId5"/>
     <p:sldId id="259" r:id="rId6"/>
     <p:sldId id="260" r:id="rId7"/>
-    <p:sldId id="261" r:id="rId8"/>
-    <p:sldId id="262" r:id="rId9"/>
   </p:sldIdLst>
   <p:sldSz cx="18288000" cy="10287000"/>
   <p:notesSz cx="7772400" cy="10058400"/>
@@ -1519,7 +1517,7 @@
                 <a:spcPct val="100000"/>
               </a:lnSpc>
             </a:pPr>
-            <a:fld id="{12E55CEA-39EB-4CDB-8785-E4565207D185}" type="datetime">
+            <a:fld id="{CD37A0D0-E4F9-47BB-BAEE-5E04B744CE8B}" type="datetime">
               <a:rPr b="0" lang="en-US" sz="1200" spc="-1" strike="noStrike">
                 <a:solidFill>
                   <a:srgbClr val="8b8b8b"/>
@@ -1593,7 +1591,7 @@
                 <a:spcPct val="100000"/>
               </a:lnSpc>
             </a:pPr>
-            <a:fld id="{FC31E824-DFEC-413F-B1B4-7479DF2BAEC0}" type="slidenum">
+            <a:fld id="{CBAF7773-6D0D-4622-9499-5F3119EF9BD4}" type="slidenum">
               <a:rPr b="0" lang="en-US" sz="1200" spc="-1" strike="noStrike">
                 <a:solidFill>
                   <a:srgbClr val="8b8b8b"/>
@@ -2104,7 +2102,163 @@
               <a:rPr b="0" lang="en-US" sz="4000" spc="-1" strike="noStrike">
                 <a:latin typeface="Arial"/>
               </a:rPr>
-              <a:t>Lectura serial desde python</a:t>
+              <a:t>L</a:t>
+            </a:r>
+            <a:r>
+              <a:rPr b="0" lang="en-US" sz="4000" spc="-1" strike="noStrike">
+                <a:latin typeface="Arial"/>
+              </a:rPr>
+              <a:t>e</a:t>
+            </a:r>
+            <a:r>
+              <a:rPr b="0" lang="en-US" sz="4000" spc="-1" strike="noStrike">
+                <a:latin typeface="Arial"/>
+              </a:rPr>
+              <a:t>c</a:t>
+            </a:r>
+            <a:r>
+              <a:rPr b="0" lang="en-US" sz="4000" spc="-1" strike="noStrike">
+                <a:latin typeface="Arial"/>
+              </a:rPr>
+              <a:t>t</a:t>
+            </a:r>
+            <a:r>
+              <a:rPr b="0" lang="en-US" sz="4000" spc="-1" strike="noStrike">
+                <a:latin typeface="Arial"/>
+              </a:rPr>
+              <a:t>u</a:t>
+            </a:r>
+            <a:r>
+              <a:rPr b="0" lang="en-US" sz="4000" spc="-1" strike="noStrike">
+                <a:latin typeface="Arial"/>
+              </a:rPr>
+              <a:t>r</a:t>
+            </a:r>
+            <a:r>
+              <a:rPr b="0" lang="en-US" sz="4000" spc="-1" strike="noStrike">
+                <a:latin typeface="Arial"/>
+              </a:rPr>
+              <a:t>a</a:t>
+            </a:r>
+            <a:r>
+              <a:rPr b="0" lang="en-US" sz="4000" spc="-1" strike="noStrike">
+                <a:latin typeface="Arial"/>
+              </a:rPr>
+              <a:t> </a:t>
+            </a:r>
+            <a:r>
+              <a:rPr b="0" lang="en-US" sz="4000" spc="-1" strike="noStrike">
+                <a:latin typeface="Arial"/>
+              </a:rPr>
+              <a:t>s</a:t>
+            </a:r>
+            <a:r>
+              <a:rPr b="0" lang="en-US" sz="4000" spc="-1" strike="noStrike">
+                <a:latin typeface="Arial"/>
+              </a:rPr>
+              <a:t>e</a:t>
+            </a:r>
+            <a:r>
+              <a:rPr b="0" lang="en-US" sz="4000" spc="-1" strike="noStrike">
+                <a:latin typeface="Arial"/>
+              </a:rPr>
+              <a:t>r</a:t>
+            </a:r>
+            <a:r>
+              <a:rPr b="0" lang="en-US" sz="4000" spc="-1" strike="noStrike">
+                <a:latin typeface="Arial"/>
+              </a:rPr>
+              <a:t>i</a:t>
+            </a:r>
+            <a:r>
+              <a:rPr b="0" lang="en-US" sz="4000" spc="-1" strike="noStrike">
+                <a:latin typeface="Arial"/>
+              </a:rPr>
+              <a:t>a</a:t>
+            </a:r>
+            <a:r>
+              <a:rPr b="0" lang="en-US" sz="4000" spc="-1" strike="noStrike">
+                <a:latin typeface="Arial"/>
+              </a:rPr>
+              <a:t>l</a:t>
+            </a:r>
+            <a:r>
+              <a:rPr b="0" lang="en-US" sz="4000" spc="-1" strike="noStrike">
+                <a:latin typeface="Arial"/>
+              </a:rPr>
+              <a:t> </a:t>
+            </a:r>
+            <a:r>
+              <a:rPr b="0" lang="en-US" sz="4000" spc="-1" strike="noStrike">
+                <a:latin typeface="Arial"/>
+              </a:rPr>
+              <a:t>d</a:t>
+            </a:r>
+            <a:r>
+              <a:rPr b="0" lang="en-US" sz="4000" spc="-1" strike="noStrike">
+                <a:latin typeface="Arial"/>
+              </a:rPr>
+              <a:t>e</a:t>
+            </a:r>
+            <a:r>
+              <a:rPr b="0" lang="en-US" sz="4000" spc="-1" strike="noStrike">
+                <a:latin typeface="Arial"/>
+              </a:rPr>
+              <a:t>s</a:t>
+            </a:r>
+            <a:r>
+              <a:rPr b="0" lang="en-US" sz="4000" spc="-1" strike="noStrike">
+                <a:latin typeface="Arial"/>
+              </a:rPr>
+              <a:t>d</a:t>
+            </a:r>
+            <a:r>
+              <a:rPr b="0" lang="en-US" sz="4000" spc="-1" strike="noStrike">
+                <a:latin typeface="Arial"/>
+              </a:rPr>
+              <a:t>e</a:t>
+            </a:r>
+            <a:r>
+              <a:rPr b="0" lang="en-US" sz="4000" spc="-1" strike="noStrike">
+                <a:latin typeface="Arial"/>
+              </a:rPr>
+              <a:t> </a:t>
+            </a:r>
+            <a:r>
+              <a:rPr b="0" lang="en-US" sz="4000" spc="-1" strike="noStrike">
+                <a:latin typeface="Arial"/>
+              </a:rPr>
+              <a:t>p</a:t>
+            </a:r>
+            <a:r>
+              <a:rPr b="0" lang="en-US" sz="4000" spc="-1" strike="noStrike">
+                <a:latin typeface="Arial"/>
+              </a:rPr>
+              <a:t>y</a:t>
+            </a:r>
+            <a:r>
+              <a:rPr b="0" lang="en-US" sz="4000" spc="-1" strike="noStrike">
+                <a:latin typeface="Arial"/>
+              </a:rPr>
+              <a:t>t</a:t>
+            </a:r>
+            <a:r>
+              <a:rPr b="0" lang="en-US" sz="4000" spc="-1" strike="noStrike">
+                <a:latin typeface="Arial"/>
+              </a:rPr>
+              <a:t>h</a:t>
+            </a:r>
+            <a:r>
+              <a:rPr b="0" lang="en-US" sz="4000" spc="-1" strike="noStrike">
+                <a:latin typeface="Arial"/>
+              </a:rPr>
+              <a:t>o</a:t>
+            </a:r>
+            <a:r>
+              <a:rPr b="0" lang="en-US" sz="4000" spc="-1" strike="noStrike">
+                <a:latin typeface="Arial"/>
+              </a:rPr>
+              <a:t>n</a:t>
             </a:r>
             <a:endParaRPr b="0" lang="en-US" sz="4000" spc="-1" strike="noStrike">
               <a:latin typeface="Arial"/>
@@ -2123,7 +2277,61 @@
               <a:rPr b="0" lang="en-US" sz="4000" spc="-1" strike="noStrike">
                 <a:latin typeface="Arial"/>
               </a:rPr>
-              <a:t>Matplotlib</a:t>
+              <a:t>M</a:t>
+            </a:r>
+            <a:r>
+              <a:rPr b="0" lang="en-US" sz="4000" spc="-1" strike="noStrike">
+                <a:latin typeface="Arial"/>
+              </a:rPr>
+              <a:t>a</a:t>
+            </a:r>
+            <a:r>
+              <a:rPr b="0" lang="en-US" sz="4000" spc="-1" strike="noStrike">
+                <a:latin typeface="Arial"/>
+              </a:rPr>
+              <a:t>t</a:t>
+            </a:r>
+            <a:r>
+              <a:rPr b="0" lang="en-US" sz="4000" spc="-1" strike="noStrike">
+                <a:latin typeface="Arial"/>
+              </a:rPr>
+              <a:t>p</a:t>
+            </a:r>
+            <a:r>
+              <a:rPr b="0" lang="en-US" sz="4000" spc="-1" strike="noStrike">
+                <a:latin typeface="Arial"/>
+              </a:rPr>
+              <a:t>l</a:t>
+            </a:r>
+            <a:r>
+              <a:rPr b="0" lang="en-US" sz="4000" spc="-1" strike="noStrike">
+                <a:latin typeface="Arial"/>
+              </a:rPr>
+              <a:t>o</a:t>
+            </a:r>
+            <a:r>
+              <a:rPr b="0" lang="en-US" sz="4000" spc="-1" strike="noStrike">
+                <a:latin typeface="Arial"/>
+              </a:rPr>
+              <a:t>t</a:t>
+            </a:r>
+            <a:r>
+              <a:rPr b="0" lang="en-US" sz="4000" spc="-1" strike="noStrike">
+                <a:latin typeface="Arial"/>
+              </a:rPr>
+              <a:t>l</a:t>
+            </a:r>
+            <a:r>
+              <a:rPr b="0" lang="en-US" sz="4000" spc="-1" strike="noStrike">
+                <a:latin typeface="Arial"/>
+              </a:rPr>
+              <a:t>i</a:t>
+            </a:r>
+            <a:r>
+              <a:rPr b="0" lang="en-US" sz="4000" spc="-1" strike="noStrike">
+                <a:latin typeface="Arial"/>
+              </a:rPr>
+              <a:t>b</a:t>
             </a:r>
             <a:endParaRPr b="0" lang="en-US" sz="4000" spc="-1" strike="noStrike">
               <a:latin typeface="Arial"/>
@@ -2142,7 +2350,55 @@
               <a:rPr b="0" lang="en-US" sz="4000" spc="-1" strike="noStrike">
                 <a:latin typeface="Arial"/>
               </a:rPr>
-              <a:t>Threading</a:t>
+              <a:t>T</a:t>
+            </a:r>
+            <a:r>
+              <a:rPr b="0" lang="en-US" sz="4000" spc="-1" strike="noStrike">
+                <a:latin typeface="Arial"/>
+              </a:rPr>
+              <a:t>h</a:t>
+            </a:r>
+            <a:r>
+              <a:rPr b="0" lang="en-US" sz="4000" spc="-1" strike="noStrike">
+                <a:latin typeface="Arial"/>
+              </a:rPr>
+              <a:t>r</a:t>
+            </a:r>
+            <a:r>
+              <a:rPr b="0" lang="en-US" sz="4000" spc="-1" strike="noStrike">
+                <a:latin typeface="Arial"/>
+              </a:rPr>
+              <a:t>e</a:t>
+            </a:r>
+            <a:r>
+              <a:rPr b="0" lang="en-US" sz="4000" spc="-1" strike="noStrike">
+                <a:latin typeface="Arial"/>
+              </a:rPr>
+              <a:t>a</a:t>
+            </a:r>
+            <a:r>
+              <a:rPr b="0" lang="en-US" sz="4000" spc="-1" strike="noStrike">
+                <a:latin typeface="Arial"/>
+              </a:rPr>
+              <a:t>d</a:t>
+            </a:r>
+            <a:r>
+              <a:rPr b="0" lang="en-US" sz="4000" spc="-1" strike="noStrike">
+                <a:latin typeface="Arial"/>
+              </a:rPr>
+              <a:t>i</a:t>
+            </a:r>
+            <a:r>
+              <a:rPr b="0" lang="en-US" sz="4000" spc="-1" strike="noStrike">
+                <a:latin typeface="Arial"/>
+              </a:rPr>
+              <a:t>n</a:t>
+            </a:r>
+            <a:r>
+              <a:rPr b="0" lang="en-US" sz="4000" spc="-1" strike="noStrike">
+                <a:latin typeface="Arial"/>
+              </a:rPr>
+              <a:t>g</a:t>
             </a:r>
             <a:endParaRPr b="0" lang="en-US" sz="4000" spc="-1" strike="noStrike">
               <a:latin typeface="Arial"/>
@@ -2161,7 +2417,31 @@
               <a:rPr b="0" lang="en-US" sz="4000" spc="-1" strike="noStrike">
                 <a:latin typeface="Arial"/>
               </a:rPr>
-              <a:t>Scipy</a:t>
+              <a:t>S</a:t>
+            </a:r>
+            <a:r>
+              <a:rPr b="0" lang="en-US" sz="4000" spc="-1" strike="noStrike">
+                <a:latin typeface="Arial"/>
+              </a:rPr>
+              <a:t>c</a:t>
+            </a:r>
+            <a:r>
+              <a:rPr b="0" lang="en-US" sz="4000" spc="-1" strike="noStrike">
+                <a:latin typeface="Arial"/>
+              </a:rPr>
+              <a:t>i</a:t>
+            </a:r>
+            <a:r>
+              <a:rPr b="0" lang="en-US" sz="4000" spc="-1" strike="noStrike">
+                <a:latin typeface="Arial"/>
+              </a:rPr>
+              <a:t>p</a:t>
+            </a:r>
+            <a:r>
+              <a:rPr b="0" lang="en-US" sz="4000" spc="-1" strike="noStrike">
+                <a:latin typeface="Arial"/>
+              </a:rPr>
+              <a:t>y</a:t>
             </a:r>
             <a:endParaRPr b="0" lang="en-US" sz="4000" spc="-1" strike="noStrike">
               <a:latin typeface="Arial"/>
@@ -2180,7 +2460,115 @@
               <a:rPr b="0" lang="en-US" sz="4000" spc="-1" strike="noStrike">
                 <a:latin typeface="Arial"/>
               </a:rPr>
-              <a:t>Scipy.signal.butter</a:t>
+              <a:t>S</a:t>
+            </a:r>
+            <a:r>
+              <a:rPr b="0" lang="en-US" sz="4000" spc="-1" strike="noStrike">
+                <a:latin typeface="Arial"/>
+              </a:rPr>
+              <a:t>c</a:t>
+            </a:r>
+            <a:r>
+              <a:rPr b="0" lang="en-US" sz="4000" spc="-1" strike="noStrike">
+                <a:latin typeface="Arial"/>
+              </a:rPr>
+              <a:t>i</a:t>
+            </a:r>
+            <a:r>
+              <a:rPr b="0" lang="en-US" sz="4000" spc="-1" strike="noStrike">
+                <a:latin typeface="Arial"/>
+              </a:rPr>
+              <a:t>p</a:t>
+            </a:r>
+            <a:r>
+              <a:rPr b="0" lang="en-US" sz="4000" spc="-1" strike="noStrike">
+                <a:latin typeface="Arial"/>
+              </a:rPr>
+              <a:t>y</a:t>
+            </a:r>
+            <a:r>
+              <a:rPr b="0" lang="en-US" sz="4000" spc="-1" strike="noStrike">
+                <a:latin typeface="Arial"/>
+              </a:rPr>
+              <a:t>.</a:t>
+            </a:r>
+            <a:r>
+              <a:rPr b="0" lang="en-US" sz="4000" spc="-1" strike="noStrike">
+                <a:latin typeface="Arial"/>
+              </a:rPr>
+              <a:t>s</a:t>
+            </a:r>
+            <a:r>
+              <a:rPr b="0" lang="en-US" sz="4000" spc="-1" strike="noStrike">
+                <a:latin typeface="Arial"/>
+              </a:rPr>
+              <a:t>i</a:t>
+            </a:r>
+            <a:r>
+              <a:rPr b="0" lang="en-US" sz="4000" spc="-1" strike="noStrike">
+                <a:latin typeface="Arial"/>
+              </a:rPr>
+              <a:t>g</a:t>
+            </a:r>
+            <a:r>
+              <a:rPr b="0" lang="en-US" sz="4000" spc="-1" strike="noStrike">
+                <a:latin typeface="Arial"/>
+              </a:rPr>
+              <a:t>n</a:t>
+            </a:r>
+            <a:r>
+              <a:rPr b="0" lang="en-US" sz="4000" spc="-1" strike="noStrike">
+                <a:latin typeface="Arial"/>
+              </a:rPr>
+              <a:t>a</a:t>
+            </a:r>
+            <a:r>
+              <a:rPr b="0" lang="en-US" sz="4000" spc="-1" strike="noStrike">
+                <a:latin typeface="Arial"/>
+              </a:rPr>
+              <a:t>l</a:t>
+            </a:r>
+            <a:r>
+              <a:rPr b="0" lang="en-US" sz="4000" spc="-1" strike="noStrike">
+                <a:latin typeface="Arial"/>
+              </a:rPr>
+              <a:t>.</a:t>
+            </a:r>
+            <a:r>
+              <a:rPr b="0" lang="en-US" sz="4000" spc="-1" strike="noStrike">
+                <a:latin typeface="Arial"/>
+              </a:rPr>
+              <a:t>b</a:t>
+            </a:r>
+            <a:r>
+              <a:rPr b="0" lang="en-US" sz="4000" spc="-1" strike="noStrike">
+                <a:latin typeface="Arial"/>
+              </a:rPr>
+              <a:t>u</a:t>
+            </a:r>
+            <a:r>
+              <a:rPr b="0" lang="en-US" sz="4000" spc="-1" strike="noStrike">
+                <a:latin typeface="Arial"/>
+              </a:rPr>
+              <a:t>t</a:t>
+            </a:r>
+            <a:r>
+              <a:rPr b="0" lang="en-US" sz="4000" spc="-1" strike="noStrike">
+                <a:latin typeface="Arial"/>
+              </a:rPr>
+              <a:t>t</a:t>
+            </a:r>
+            <a:r>
+              <a:rPr b="0" lang="en-US" sz="4000" spc="-1" strike="noStrike">
+                <a:latin typeface="Arial"/>
+              </a:rPr>
+              <a:t>e</a:t>
+            </a:r>
+            <a:r>
+              <a:rPr b="0" lang="en-US" sz="4000" spc="-1" strike="noStrike">
+                <a:latin typeface="Arial"/>
+              </a:rPr>
+              <a:t>r</a:t>
             </a:r>
             <a:endParaRPr b="0" lang="en-US" sz="4000" spc="-1" strike="noStrike">
               <a:latin typeface="Arial"/>
@@ -2540,86 +2928,6 @@
           </a:ln>
         </p:spPr>
       </p:pic>
-    </p:spTree>
-  </p:cSld>
-  <mc:AlternateContent>
-    <mc:Choice Requires="p14">
-      <p:transition spd="slow" p14:dur="2000"/>
-    </mc:Choice>
-    <mc:Fallback>
-      <p:transition spd="slow"/>
-    </mc:Fallback>
-  </mc:AlternateContent>
-</p:sld>
-</file>
-
-<file path=ppt/slides/slide6.xml><?xml version="1.0" encoding="utf-8"?>
-<p:sld xmlns:a="http://schemas.openxmlformats.org/drawingml/2006/main" xmlns:p="http://schemas.openxmlformats.org/presentationml/2006/main" xmlns:r="http://schemas.openxmlformats.org/officeDocument/2006/relationships" xmlns:p14="http://schemas.microsoft.com/office/powerpoint/2010/main" xmlns:p15="http://schemas.microsoft.com/office/powerpoint/2012/main" xmlns:mc="http://schemas.openxmlformats.org/markup-compatibility/2006">
-  <p:cSld>
-    <p:bg>
-      <p:bgPr>
-        <a:blipFill rotWithShape="0">
-          <a:blip r:embed="rId1"/>
-          <a:stretch>
-            <a:fillRect/>
-          </a:stretch>
-        </a:blipFill>
-      </p:bgPr>
-    </p:bg>
-    <p:spTree>
-      <p:nvGrpSpPr>
-        <p:cNvPr id="1" name=""/>
-        <p:cNvGrpSpPr/>
-        <p:nvPr/>
-      </p:nvGrpSpPr>
-      <p:grpSpPr>
-        <a:xfrm>
-          <a:off x="0" y="0"/>
-          <a:ext cx="0" cy="0"/>
-          <a:chOff x="0" y="0"/>
-          <a:chExt cx="0" cy="0"/>
-        </a:xfrm>
-      </p:grpSpPr>
-    </p:spTree>
-  </p:cSld>
-  <mc:AlternateContent>
-    <mc:Choice Requires="p14">
-      <p:transition spd="slow" p14:dur="2000"/>
-    </mc:Choice>
-    <mc:Fallback>
-      <p:transition spd="slow"/>
-    </mc:Fallback>
-  </mc:AlternateContent>
-</p:sld>
-</file>
-
-<file path=ppt/slides/slide7.xml><?xml version="1.0" encoding="utf-8"?>
-<p:sld xmlns:a="http://schemas.openxmlformats.org/drawingml/2006/main" xmlns:p="http://schemas.openxmlformats.org/presentationml/2006/main" xmlns:r="http://schemas.openxmlformats.org/officeDocument/2006/relationships" xmlns:p14="http://schemas.microsoft.com/office/powerpoint/2010/main" xmlns:p15="http://schemas.microsoft.com/office/powerpoint/2012/main" xmlns:mc="http://schemas.openxmlformats.org/markup-compatibility/2006">
-  <p:cSld>
-    <p:bg>
-      <p:bgPr>
-        <a:blipFill rotWithShape="0">
-          <a:blip r:embed="rId1"/>
-          <a:stretch>
-            <a:fillRect/>
-          </a:stretch>
-        </a:blipFill>
-      </p:bgPr>
-    </p:bg>
-    <p:spTree>
-      <p:nvGrpSpPr>
-        <p:cNvPr id="1" name=""/>
-        <p:cNvGrpSpPr/>
-        <p:nvPr/>
-      </p:nvGrpSpPr>
-      <p:grpSpPr>
-        <a:xfrm>
-          <a:off x="0" y="0"/>
-          <a:ext cx="0" cy="0"/>
-          <a:chOff x="0" y="0"/>
-          <a:chExt cx="0" cy="0"/>
-        </a:xfrm>
-      </p:grpSpPr>
     </p:spTree>
   </p:cSld>
   <mc:AlternateContent>
